--- a/Apps/Platform analysis.pptx
+++ b/Apps/Platform analysis.pptx
@@ -109,6 +109,11 @@
       </a:defRPr>
     </a:lvl9pPr>
   </p:defaultTextStyle>
+  <p:extLst>
+    <p:ext uri="{EFAFB233-063F-42B5-8137-9DF3F51BA10A}">
+      <p15:sldGuideLst xmlns:p15="http://schemas.microsoft.com/office/powerpoint/2012/main"/>
+    </p:ext>
+  </p:extLst>
 </p:presentation>
 </file>
 
@@ -3710,7 +3715,7 @@
           <a:p>
             <a:r>
               <a:rPr lang="en-US" dirty="0"/>
-              <a:t>Provide analytical recommendations to our operating system client on whether they should choose to build an apps within Google Play or Apple Store</a:t>
+              <a:t>Provide recommendations to our operating system client on whether they should choose to build apps within Google Play or Apple Store</a:t>
             </a:r>
           </a:p>
           <a:p>
@@ -3930,7 +3935,7 @@
             <a:pPr lvl="1"/>
             <a:r>
               <a:rPr lang="en-US" dirty="0"/>
-              <a:t>Range of difference with 10,000 time [-0.03 : +0.03]</a:t>
+              <a:t>Range of difference with 10,000 time permutation: [-0.03 : +0.03]</a:t>
             </a:r>
           </a:p>
         </p:txBody>
@@ -4046,7 +4051,7 @@
           <a:p>
             <a:r>
               <a:rPr lang="en-US" dirty="0"/>
-              <a:t>The observed difference in mean reviews fall outside the range of permutation means</a:t>
+              <a:t>The observed difference in mean reviews fall outside the range of permutation</a:t>
             </a:r>
           </a:p>
           <a:p>
@@ -4157,7 +4162,7 @@
           <a:p>
             <a:r>
               <a:rPr lang="en-US" dirty="0"/>
-              <a:t>Rebalance Google and Apple dataset to have the number of records</a:t>
+              <a:t>Rebalance Google and Apple dataset to have similar number of records</a:t>
             </a:r>
           </a:p>
           <a:p>
@@ -4177,7 +4182,7 @@
           <a:p>
             <a:r>
               <a:rPr lang="en-US" dirty="0"/>
-              <a:t>Analysis only cover US data. If client decide to launch apps in different countries, the analysis will need to be re-run bigger dataset</a:t>
+              <a:t>Analysis only cover US data. If client decide to launch apps in different countries, the analysis will need to be re-run with bigger dataset</a:t>
             </a:r>
           </a:p>
         </p:txBody>

--- a/Apps/Platform analysis.pptx
+++ b/Apps/Platform analysis.pptx
@@ -109,11 +109,6 @@
       </a:defRPr>
     </a:lvl9pPr>
   </p:defaultTextStyle>
-  <p:extLst>
-    <p:ext uri="{EFAFB233-063F-42B5-8137-9DF3F51BA10A}">
-      <p15:sldGuideLst xmlns:p15="http://schemas.microsoft.com/office/powerpoint/2012/main"/>
-    </p:ext>
-  </p:extLst>
 </p:presentation>
 </file>
 
@@ -3715,7 +3710,7 @@
           <a:p>
             <a:r>
               <a:rPr lang="en-US" dirty="0"/>
-              <a:t>Provide recommendations to our operating system client on whether they should choose to build apps within Google Play or Apple Store</a:t>
+              <a:t>Provide analytical recommendations to our operating system client on whether they should choose to build an apps within Google Play or Apple Store</a:t>
             </a:r>
           </a:p>
           <a:p>
@@ -3935,7 +3930,7 @@
             <a:pPr lvl="1"/>
             <a:r>
               <a:rPr lang="en-US" dirty="0"/>
-              <a:t>Range of difference with 10,000 time permutation: [-0.03 : +0.03]</a:t>
+              <a:t>Range of difference with 10,000 time [-0.03 : +0.03]</a:t>
             </a:r>
           </a:p>
         </p:txBody>
@@ -4051,7 +4046,7 @@
           <a:p>
             <a:r>
               <a:rPr lang="en-US" dirty="0"/>
-              <a:t>The observed difference in mean reviews fall outside the range of permutation</a:t>
+              <a:t>The observed difference in mean reviews fall outside the range of permutation means</a:t>
             </a:r>
           </a:p>
           <a:p>
@@ -4162,7 +4157,7 @@
           <a:p>
             <a:r>
               <a:rPr lang="en-US" dirty="0"/>
-              <a:t>Rebalance Google and Apple dataset to have similar number of records</a:t>
+              <a:t>Rebalance Google and Apple dataset to have the number of records</a:t>
             </a:r>
           </a:p>
           <a:p>
@@ -4182,7 +4177,7 @@
           <a:p>
             <a:r>
               <a:rPr lang="en-US" dirty="0"/>
-              <a:t>Analysis only cover US data. If client decide to launch apps in different countries, the analysis will need to be re-run with bigger dataset</a:t>
+              <a:t>Analysis only cover US data. If client decide to launch apps in different countries, the analysis will need to be re-run bigger dataset</a:t>
             </a:r>
           </a:p>
         </p:txBody>
